--- a/CSS.pptx
+++ b/CSS.pptx
@@ -1764,14 +1764,14 @@
           <a:effectLst/>
           <a:extLst>
             <a:ext uri="{909E8E84-426E-40dd-AFC4-6F175D3DCCD1}">
-              <a14:hiddenFill xmlns:a14="http://schemas.microsoft.com/office/drawing/2010/main" xmlns="">
+              <a14:hiddenFill xmlns="" xmlns:a14="http://schemas.microsoft.com/office/drawing/2010/main">
                 <a:solidFill>
                   <a:schemeClr val="accent1"/>
                 </a:solidFill>
               </a14:hiddenFill>
             </a:ext>
             <a:ext uri="{91240B29-F687-4f45-9708-019B960494DF}">
-              <a14:hiddenLine xmlns:a14="http://schemas.microsoft.com/office/drawing/2010/main" xmlns="" w="9525">
+              <a14:hiddenLine xmlns="" xmlns:a14="http://schemas.microsoft.com/office/drawing/2010/main" w="9525">
                 <a:solidFill>
                   <a:schemeClr val="tx1"/>
                 </a:solidFill>
@@ -1781,7 +1781,7 @@
               </a14:hiddenLine>
             </a:ext>
             <a:ext uri="{AF507438-7753-43e0-B8FC-AC1667EBCBE1}">
-              <a14:hiddenEffects xmlns:a14="http://schemas.microsoft.com/office/drawing/2010/main" xmlns="">
+              <a14:hiddenEffects xmlns="" xmlns:a14="http://schemas.microsoft.com/office/drawing/2010/main">
                 <a:effectLst>
                   <a:outerShdw dist="35921" dir="2700000" algn="ctr" rotWithShape="0">
                     <a:schemeClr val="bg2"/>
@@ -2184,14 +2184,14 @@
           <a:effectLst/>
           <a:extLst>
             <a:ext uri="{909E8E84-426E-40dd-AFC4-6F175D3DCCD1}">
-              <a14:hiddenFill xmlns:a14="http://schemas.microsoft.com/office/drawing/2010/main" xmlns="">
+              <a14:hiddenFill xmlns="" xmlns:a14="http://schemas.microsoft.com/office/drawing/2010/main">
                 <a:solidFill>
                   <a:schemeClr val="accent1"/>
                 </a:solidFill>
               </a14:hiddenFill>
             </a:ext>
             <a:ext uri="{91240B29-F687-4f45-9708-019B960494DF}">
-              <a14:hiddenLine xmlns:a14="http://schemas.microsoft.com/office/drawing/2010/main" xmlns="" w="9525">
+              <a14:hiddenLine xmlns="" xmlns:a14="http://schemas.microsoft.com/office/drawing/2010/main" w="9525">
                 <a:solidFill>
                   <a:schemeClr val="tx1"/>
                 </a:solidFill>
@@ -2201,7 +2201,7 @@
               </a14:hiddenLine>
             </a:ext>
             <a:ext uri="{AF507438-7753-43e0-B8FC-AC1667EBCBE1}">
-              <a14:hiddenEffects xmlns:a14="http://schemas.microsoft.com/office/drawing/2010/main" xmlns="">
+              <a14:hiddenEffects xmlns="" xmlns:a14="http://schemas.microsoft.com/office/drawing/2010/main">
                 <a:effectLst>
                   <a:outerShdw dist="35921" dir="2700000" algn="ctr" rotWithShape="0">
                     <a:schemeClr val="bg2"/>
@@ -2408,14 +2408,14 @@
           <a:effectLst/>
           <a:extLst>
             <a:ext uri="{909E8E84-426E-40dd-AFC4-6F175D3DCCD1}">
-              <a14:hiddenFill xmlns:a14="http://schemas.microsoft.com/office/drawing/2010/main" xmlns="">
+              <a14:hiddenFill xmlns="" xmlns:a14="http://schemas.microsoft.com/office/drawing/2010/main">
                 <a:solidFill>
                   <a:schemeClr val="accent1"/>
                 </a:solidFill>
               </a14:hiddenFill>
             </a:ext>
             <a:ext uri="{91240B29-F687-4f45-9708-019B960494DF}">
-              <a14:hiddenLine xmlns:a14="http://schemas.microsoft.com/office/drawing/2010/main" xmlns="" w="9525">
+              <a14:hiddenLine xmlns="" xmlns:a14="http://schemas.microsoft.com/office/drawing/2010/main" w="9525">
                 <a:solidFill>
                   <a:schemeClr val="tx1"/>
                 </a:solidFill>
@@ -2425,7 +2425,7 @@
               </a14:hiddenLine>
             </a:ext>
             <a:ext uri="{AF507438-7753-43e0-B8FC-AC1667EBCBE1}">
-              <a14:hiddenEffects xmlns:a14="http://schemas.microsoft.com/office/drawing/2010/main" xmlns="">
+              <a14:hiddenEffects xmlns="" xmlns:a14="http://schemas.microsoft.com/office/drawing/2010/main">
                 <a:effectLst>
                   <a:outerShdw dist="35921" dir="2700000" algn="ctr" rotWithShape="0">
                     <a:schemeClr val="bg2"/>
@@ -2852,14 +2852,14 @@
           <a:effectLst/>
           <a:extLst>
             <a:ext uri="{909E8E84-426E-40dd-AFC4-6F175D3DCCD1}">
-              <a14:hiddenFill xmlns:a14="http://schemas.microsoft.com/office/drawing/2010/main" xmlns="">
+              <a14:hiddenFill xmlns="" xmlns:a14="http://schemas.microsoft.com/office/drawing/2010/main">
                 <a:solidFill>
                   <a:schemeClr val="accent1"/>
                 </a:solidFill>
               </a14:hiddenFill>
             </a:ext>
             <a:ext uri="{91240B29-F687-4f45-9708-019B960494DF}">
-              <a14:hiddenLine xmlns:a14="http://schemas.microsoft.com/office/drawing/2010/main" xmlns="" w="9525">
+              <a14:hiddenLine xmlns="" xmlns:a14="http://schemas.microsoft.com/office/drawing/2010/main" w="9525">
                 <a:solidFill>
                   <a:schemeClr val="tx1"/>
                 </a:solidFill>
@@ -2869,7 +2869,7 @@
               </a14:hiddenLine>
             </a:ext>
             <a:ext uri="{AF507438-7753-43e0-B8FC-AC1667EBCBE1}">
-              <a14:hiddenEffects xmlns:a14="http://schemas.microsoft.com/office/drawing/2010/main" xmlns="">
+              <a14:hiddenEffects xmlns="" xmlns:a14="http://schemas.microsoft.com/office/drawing/2010/main">
                 <a:effectLst>
                   <a:outerShdw dist="35921" dir="2700000" algn="ctr" rotWithShape="0">
                     <a:schemeClr val="bg2"/>
@@ -3315,14 +3315,14 @@
           <a:effectLst/>
           <a:extLst>
             <a:ext uri="{909E8E84-426E-40dd-AFC4-6F175D3DCCD1}">
-              <a14:hiddenFill xmlns:a14="http://schemas.microsoft.com/office/drawing/2010/main" xmlns="">
+              <a14:hiddenFill xmlns="" xmlns:a14="http://schemas.microsoft.com/office/drawing/2010/main">
                 <a:solidFill>
                   <a:schemeClr val="accent1"/>
                 </a:solidFill>
               </a14:hiddenFill>
             </a:ext>
             <a:ext uri="{91240B29-F687-4f45-9708-019B960494DF}">
-              <a14:hiddenLine xmlns:a14="http://schemas.microsoft.com/office/drawing/2010/main" xmlns="" w="9525">
+              <a14:hiddenLine xmlns="" xmlns:a14="http://schemas.microsoft.com/office/drawing/2010/main" w="9525">
                 <a:solidFill>
                   <a:schemeClr val="tx1"/>
                 </a:solidFill>
@@ -3332,7 +3332,7 @@
               </a14:hiddenLine>
             </a:ext>
             <a:ext uri="{AF507438-7753-43e0-B8FC-AC1667EBCBE1}">
-              <a14:hiddenEffects xmlns:a14="http://schemas.microsoft.com/office/drawing/2010/main" xmlns="">
+              <a14:hiddenEffects xmlns="" xmlns:a14="http://schemas.microsoft.com/office/drawing/2010/main">
                 <a:effectLst>
                   <a:outerShdw dist="35921" dir="2700000" algn="ctr" rotWithShape="0">
                     <a:schemeClr val="bg2"/>
@@ -3713,14 +3713,14 @@
           <a:effectLst/>
           <a:extLst>
             <a:ext uri="{909E8E84-426E-40dd-AFC4-6F175D3DCCD1}">
-              <a14:hiddenFill xmlns:a14="http://schemas.microsoft.com/office/drawing/2010/main" xmlns="">
+              <a14:hiddenFill xmlns="" xmlns:a14="http://schemas.microsoft.com/office/drawing/2010/main">
                 <a:solidFill>
                   <a:schemeClr val="accent1"/>
                 </a:solidFill>
               </a14:hiddenFill>
             </a:ext>
             <a:ext uri="{91240B29-F687-4f45-9708-019B960494DF}">
-              <a14:hiddenLine xmlns:a14="http://schemas.microsoft.com/office/drawing/2010/main" xmlns="" w="9525">
+              <a14:hiddenLine xmlns="" xmlns:a14="http://schemas.microsoft.com/office/drawing/2010/main" w="9525">
                 <a:solidFill>
                   <a:schemeClr val="tx1"/>
                 </a:solidFill>
@@ -3730,7 +3730,7 @@
               </a14:hiddenLine>
             </a:ext>
             <a:ext uri="{AF507438-7753-43e0-B8FC-AC1667EBCBE1}">
-              <a14:hiddenEffects xmlns:a14="http://schemas.microsoft.com/office/drawing/2010/main" xmlns="">
+              <a14:hiddenEffects xmlns="" xmlns:a14="http://schemas.microsoft.com/office/drawing/2010/main">
                 <a:effectLst>
                   <a:outerShdw dist="35921" dir="2700000" algn="ctr" rotWithShape="0">
                     <a:schemeClr val="bg2"/>
@@ -4089,14 +4089,14 @@
           <a:effectLst/>
           <a:extLst>
             <a:ext uri="{909E8E84-426E-40dd-AFC4-6F175D3DCCD1}">
-              <a14:hiddenFill xmlns:a14="http://schemas.microsoft.com/office/drawing/2010/main" xmlns="">
+              <a14:hiddenFill xmlns="" xmlns:a14="http://schemas.microsoft.com/office/drawing/2010/main">
                 <a:solidFill>
                   <a:schemeClr val="accent1"/>
                 </a:solidFill>
               </a14:hiddenFill>
             </a:ext>
             <a:ext uri="{91240B29-F687-4f45-9708-019B960494DF}">
-              <a14:hiddenLine xmlns:a14="http://schemas.microsoft.com/office/drawing/2010/main" xmlns="" w="9525">
+              <a14:hiddenLine xmlns="" xmlns:a14="http://schemas.microsoft.com/office/drawing/2010/main" w="9525">
                 <a:solidFill>
                   <a:schemeClr val="tx1"/>
                 </a:solidFill>
@@ -4106,7 +4106,7 @@
               </a14:hiddenLine>
             </a:ext>
             <a:ext uri="{AF507438-7753-43e0-B8FC-AC1667EBCBE1}">
-              <a14:hiddenEffects xmlns:a14="http://schemas.microsoft.com/office/drawing/2010/main" xmlns="">
+              <a14:hiddenEffects xmlns="" xmlns:a14="http://schemas.microsoft.com/office/drawing/2010/main">
                 <a:effectLst>
                   <a:outerShdw dist="35921" dir="2700000" algn="ctr" rotWithShape="0">
                     <a:schemeClr val="bg2"/>
@@ -4764,14 +4764,14 @@
           <a:effectLst/>
           <a:extLst>
             <a:ext uri="{909E8E84-426E-40dd-AFC4-6F175D3DCCD1}">
-              <a14:hiddenFill xmlns:a14="http://schemas.microsoft.com/office/drawing/2010/main" xmlns="">
+              <a14:hiddenFill xmlns="" xmlns:a14="http://schemas.microsoft.com/office/drawing/2010/main">
                 <a:solidFill>
                   <a:schemeClr val="accent1"/>
                 </a:solidFill>
               </a14:hiddenFill>
             </a:ext>
             <a:ext uri="{91240B29-F687-4f45-9708-019B960494DF}">
-              <a14:hiddenLine xmlns:a14="http://schemas.microsoft.com/office/drawing/2010/main" xmlns="" w="9525">
+              <a14:hiddenLine xmlns="" xmlns:a14="http://schemas.microsoft.com/office/drawing/2010/main" w="9525">
                 <a:solidFill>
                   <a:schemeClr val="tx1"/>
                 </a:solidFill>
@@ -4781,7 +4781,7 @@
               </a14:hiddenLine>
             </a:ext>
             <a:ext uri="{AF507438-7753-43e0-B8FC-AC1667EBCBE1}">
-              <a14:hiddenEffects xmlns:a14="http://schemas.microsoft.com/office/drawing/2010/main" xmlns="">
+              <a14:hiddenEffects xmlns="" xmlns:a14="http://schemas.microsoft.com/office/drawing/2010/main">
                 <a:effectLst>
                   <a:outerShdw dist="35921" dir="2700000" algn="ctr" rotWithShape="0">
                     <a:schemeClr val="bg2"/>
@@ -5087,14 +5087,14 @@
           <a:effectLst/>
           <a:extLst>
             <a:ext uri="{909E8E84-426E-40dd-AFC4-6F175D3DCCD1}">
-              <a14:hiddenFill xmlns:a14="http://schemas.microsoft.com/office/drawing/2010/main" xmlns="">
+              <a14:hiddenFill xmlns="" xmlns:a14="http://schemas.microsoft.com/office/drawing/2010/main">
                 <a:solidFill>
                   <a:schemeClr val="accent1"/>
                 </a:solidFill>
               </a14:hiddenFill>
             </a:ext>
             <a:ext uri="{91240B29-F687-4f45-9708-019B960494DF}">
-              <a14:hiddenLine xmlns:a14="http://schemas.microsoft.com/office/drawing/2010/main" xmlns="" w="9525">
+              <a14:hiddenLine xmlns="" xmlns:a14="http://schemas.microsoft.com/office/drawing/2010/main" w="9525">
                 <a:solidFill>
                   <a:schemeClr val="tx1"/>
                 </a:solidFill>
@@ -5104,7 +5104,7 @@
               </a14:hiddenLine>
             </a:ext>
             <a:ext uri="{AF507438-7753-43e0-B8FC-AC1667EBCBE1}">
-              <a14:hiddenEffects xmlns:a14="http://schemas.microsoft.com/office/drawing/2010/main" xmlns="">
+              <a14:hiddenEffects xmlns="" xmlns:a14="http://schemas.microsoft.com/office/drawing/2010/main">
                 <a:effectLst>
                   <a:outerShdw dist="35921" dir="2700000" algn="ctr" rotWithShape="0">
                     <a:schemeClr val="bg2"/>
@@ -5824,14 +5824,14 @@
           <a:effectLst/>
           <a:extLst>
             <a:ext uri="{909E8E84-426E-40dd-AFC4-6F175D3DCCD1}">
-              <a14:hiddenFill xmlns:a14="http://schemas.microsoft.com/office/drawing/2010/main" xmlns="">
+              <a14:hiddenFill xmlns="" xmlns:a14="http://schemas.microsoft.com/office/drawing/2010/main">
                 <a:solidFill>
                   <a:schemeClr val="accent1"/>
                 </a:solidFill>
               </a14:hiddenFill>
             </a:ext>
             <a:ext uri="{91240B29-F687-4f45-9708-019B960494DF}">
-              <a14:hiddenLine xmlns:a14="http://schemas.microsoft.com/office/drawing/2010/main" xmlns="" w="9525">
+              <a14:hiddenLine xmlns="" xmlns:a14="http://schemas.microsoft.com/office/drawing/2010/main" w="9525">
                 <a:solidFill>
                   <a:schemeClr val="tx1"/>
                 </a:solidFill>
@@ -5841,7 +5841,7 @@
               </a14:hiddenLine>
             </a:ext>
             <a:ext uri="{AF507438-7753-43e0-B8FC-AC1667EBCBE1}">
-              <a14:hiddenEffects xmlns:a14="http://schemas.microsoft.com/office/drawing/2010/main" xmlns="">
+              <a14:hiddenEffects xmlns="" xmlns:a14="http://schemas.microsoft.com/office/drawing/2010/main">
                 <a:effectLst>
                   <a:outerShdw dist="35921" dir="2700000" algn="ctr" rotWithShape="0">
                     <a:schemeClr val="bg2"/>
@@ -6795,14 +6795,14 @@
           <a:effectLst/>
           <a:extLst>
             <a:ext uri="{909E8E84-426E-40dd-AFC4-6F175D3DCCD1}">
-              <a14:hiddenFill xmlns:a14="http://schemas.microsoft.com/office/drawing/2010/main" xmlns="">
+              <a14:hiddenFill xmlns="" xmlns:a14="http://schemas.microsoft.com/office/drawing/2010/main">
                 <a:solidFill>
                   <a:schemeClr val="accent1"/>
                 </a:solidFill>
               </a14:hiddenFill>
             </a:ext>
             <a:ext uri="{91240B29-F687-4f45-9708-019B960494DF}">
-              <a14:hiddenLine xmlns:a14="http://schemas.microsoft.com/office/drawing/2010/main" xmlns="" w="9525">
+              <a14:hiddenLine xmlns="" xmlns:a14="http://schemas.microsoft.com/office/drawing/2010/main" w="9525">
                 <a:solidFill>
                   <a:schemeClr val="tx1"/>
                 </a:solidFill>
@@ -6812,7 +6812,7 @@
               </a14:hiddenLine>
             </a:ext>
             <a:ext uri="{AF507438-7753-43e0-B8FC-AC1667EBCBE1}">
-              <a14:hiddenEffects xmlns:a14="http://schemas.microsoft.com/office/drawing/2010/main" xmlns="">
+              <a14:hiddenEffects xmlns="" xmlns:a14="http://schemas.microsoft.com/office/drawing/2010/main">
                 <a:effectLst>
                   <a:outerShdw dist="35921" dir="2700000" algn="ctr" rotWithShape="0">
                     <a:schemeClr val="bg2"/>
@@ -7169,14 +7169,14 @@
           <a:effectLst/>
           <a:extLst>
             <a:ext uri="{909E8E84-426E-40dd-AFC4-6F175D3DCCD1}">
-              <a14:hiddenFill xmlns:a14="http://schemas.microsoft.com/office/drawing/2010/main" xmlns="">
+              <a14:hiddenFill xmlns="" xmlns:a14="http://schemas.microsoft.com/office/drawing/2010/main">
                 <a:solidFill>
                   <a:schemeClr val="accent1"/>
                 </a:solidFill>
               </a14:hiddenFill>
             </a:ext>
             <a:ext uri="{91240B29-F687-4f45-9708-019B960494DF}">
-              <a14:hiddenLine xmlns:a14="http://schemas.microsoft.com/office/drawing/2010/main" xmlns="" w="9525">
+              <a14:hiddenLine xmlns="" xmlns:a14="http://schemas.microsoft.com/office/drawing/2010/main" w="9525">
                 <a:solidFill>
                   <a:schemeClr val="tx1"/>
                 </a:solidFill>
@@ -7186,7 +7186,7 @@
               </a14:hiddenLine>
             </a:ext>
             <a:ext uri="{AF507438-7753-43e0-B8FC-AC1667EBCBE1}">
-              <a14:hiddenEffects xmlns:a14="http://schemas.microsoft.com/office/drawing/2010/main" xmlns="">
+              <a14:hiddenEffects xmlns="" xmlns:a14="http://schemas.microsoft.com/office/drawing/2010/main">
                 <a:effectLst>
                   <a:outerShdw dist="35921" dir="2700000" algn="ctr" rotWithShape="0">
                     <a:schemeClr val="bg2"/>
@@ -7543,14 +7543,14 @@
           <a:effectLst/>
           <a:extLst>
             <a:ext uri="{909E8E84-426E-40dd-AFC4-6F175D3DCCD1}">
-              <a14:hiddenFill xmlns:a14="http://schemas.microsoft.com/office/drawing/2010/main" xmlns="">
+              <a14:hiddenFill xmlns="" xmlns:a14="http://schemas.microsoft.com/office/drawing/2010/main">
                 <a:solidFill>
                   <a:schemeClr val="accent1"/>
                 </a:solidFill>
               </a14:hiddenFill>
             </a:ext>
             <a:ext uri="{91240B29-F687-4f45-9708-019B960494DF}">
-              <a14:hiddenLine xmlns:a14="http://schemas.microsoft.com/office/drawing/2010/main" xmlns="" w="9525">
+              <a14:hiddenLine xmlns="" xmlns:a14="http://schemas.microsoft.com/office/drawing/2010/main" w="9525">
                 <a:solidFill>
                   <a:schemeClr val="tx1"/>
                 </a:solidFill>
@@ -7560,7 +7560,7 @@
               </a14:hiddenLine>
             </a:ext>
             <a:ext uri="{AF507438-7753-43e0-B8FC-AC1667EBCBE1}">
-              <a14:hiddenEffects xmlns:a14="http://schemas.microsoft.com/office/drawing/2010/main" xmlns="">
+              <a14:hiddenEffects xmlns="" xmlns:a14="http://schemas.microsoft.com/office/drawing/2010/main">
                 <a:effectLst>
                   <a:outerShdw dist="35921" dir="2700000" algn="ctr" rotWithShape="0">
                     <a:schemeClr val="bg2"/>
@@ -7872,14 +7872,14 @@
           <a:effectLst/>
           <a:extLst>
             <a:ext uri="{909E8E84-426E-40dd-AFC4-6F175D3DCCD1}">
-              <a14:hiddenFill xmlns:a14="http://schemas.microsoft.com/office/drawing/2010/main" xmlns="">
+              <a14:hiddenFill xmlns="" xmlns:a14="http://schemas.microsoft.com/office/drawing/2010/main">
                 <a:solidFill>
                   <a:schemeClr val="accent1"/>
                 </a:solidFill>
               </a14:hiddenFill>
             </a:ext>
             <a:ext uri="{91240B29-F687-4f45-9708-019B960494DF}">
-              <a14:hiddenLine xmlns:a14="http://schemas.microsoft.com/office/drawing/2010/main" xmlns="" w="9525">
+              <a14:hiddenLine xmlns="" xmlns:a14="http://schemas.microsoft.com/office/drawing/2010/main" w="9525">
                 <a:solidFill>
                   <a:schemeClr val="tx1"/>
                 </a:solidFill>
@@ -7889,7 +7889,7 @@
               </a14:hiddenLine>
             </a:ext>
             <a:ext uri="{AF507438-7753-43e0-B8FC-AC1667EBCBE1}">
-              <a14:hiddenEffects xmlns:a14="http://schemas.microsoft.com/office/drawing/2010/main" xmlns="">
+              <a14:hiddenEffects xmlns="" xmlns:a14="http://schemas.microsoft.com/office/drawing/2010/main">
                 <a:effectLst>
                   <a:outerShdw dist="35921" dir="2700000" algn="ctr" rotWithShape="0">
                     <a:schemeClr val="bg2"/>
@@ -8292,14 +8292,14 @@
           <a:effectLst/>
           <a:extLst>
             <a:ext uri="{909E8E84-426E-40dd-AFC4-6F175D3DCCD1}">
-              <a14:hiddenFill xmlns:a14="http://schemas.microsoft.com/office/drawing/2010/main" xmlns="">
+              <a14:hiddenFill xmlns="" xmlns:a14="http://schemas.microsoft.com/office/drawing/2010/main">
                 <a:solidFill>
                   <a:schemeClr val="accent1"/>
                 </a:solidFill>
               </a14:hiddenFill>
             </a:ext>
             <a:ext uri="{91240B29-F687-4f45-9708-019B960494DF}">
-              <a14:hiddenLine xmlns:a14="http://schemas.microsoft.com/office/drawing/2010/main" xmlns="" w="9525">
+              <a14:hiddenLine xmlns="" xmlns:a14="http://schemas.microsoft.com/office/drawing/2010/main" w="9525">
                 <a:solidFill>
                   <a:schemeClr val="tx1"/>
                 </a:solidFill>
@@ -8309,7 +8309,7 @@
               </a14:hiddenLine>
             </a:ext>
             <a:ext uri="{AF507438-7753-43e0-B8FC-AC1667EBCBE1}">
-              <a14:hiddenEffects xmlns:a14="http://schemas.microsoft.com/office/drawing/2010/main" xmlns="">
+              <a14:hiddenEffects xmlns="" xmlns:a14="http://schemas.microsoft.com/office/drawing/2010/main">
                 <a:effectLst>
                   <a:outerShdw dist="35921" dir="2700000" algn="ctr" rotWithShape="0">
                     <a:schemeClr val="bg2"/>
@@ -8725,14 +8725,14 @@
           <a:effectLst/>
           <a:extLst>
             <a:ext uri="{909E8E84-426E-40dd-AFC4-6F175D3DCCD1}">
-              <a14:hiddenFill xmlns:a14="http://schemas.microsoft.com/office/drawing/2010/main" xmlns="">
+              <a14:hiddenFill xmlns="" xmlns:a14="http://schemas.microsoft.com/office/drawing/2010/main">
                 <a:solidFill>
                   <a:schemeClr val="accent1"/>
                 </a:solidFill>
               </a14:hiddenFill>
             </a:ext>
             <a:ext uri="{91240B29-F687-4f45-9708-019B960494DF}">
-              <a14:hiddenLine xmlns:a14="http://schemas.microsoft.com/office/drawing/2010/main" xmlns="" w="9525">
+              <a14:hiddenLine xmlns="" xmlns:a14="http://schemas.microsoft.com/office/drawing/2010/main" w="9525">
                 <a:solidFill>
                   <a:schemeClr val="tx1"/>
                 </a:solidFill>
@@ -8742,7 +8742,7 @@
               </a14:hiddenLine>
             </a:ext>
             <a:ext uri="{AF507438-7753-43e0-B8FC-AC1667EBCBE1}">
-              <a14:hiddenEffects xmlns:a14="http://schemas.microsoft.com/office/drawing/2010/main" xmlns="">
+              <a14:hiddenEffects xmlns="" xmlns:a14="http://schemas.microsoft.com/office/drawing/2010/main">
                 <a:effectLst>
                   <a:outerShdw dist="35921" dir="2700000" algn="ctr" rotWithShape="0">
                     <a:schemeClr val="bg2"/>
@@ -9180,14 +9180,14 @@
           <a:effectLst/>
           <a:extLst>
             <a:ext uri="{909E8E84-426E-40dd-AFC4-6F175D3DCCD1}">
-              <a14:hiddenFill xmlns:a14="http://schemas.microsoft.com/office/drawing/2010/main" xmlns="">
+              <a14:hiddenFill xmlns="" xmlns:a14="http://schemas.microsoft.com/office/drawing/2010/main">
                 <a:solidFill>
                   <a:schemeClr val="accent1"/>
                 </a:solidFill>
               </a14:hiddenFill>
             </a:ext>
             <a:ext uri="{91240B29-F687-4f45-9708-019B960494DF}">
-              <a14:hiddenLine xmlns:a14="http://schemas.microsoft.com/office/drawing/2010/main" xmlns="" w="9525">
+              <a14:hiddenLine xmlns="" xmlns:a14="http://schemas.microsoft.com/office/drawing/2010/main" w="9525">
                 <a:solidFill>
                   <a:schemeClr val="tx1"/>
                 </a:solidFill>
@@ -9197,7 +9197,7 @@
               </a14:hiddenLine>
             </a:ext>
             <a:ext uri="{AF507438-7753-43e0-B8FC-AC1667EBCBE1}">
-              <a14:hiddenEffects xmlns:a14="http://schemas.microsoft.com/office/drawing/2010/main" xmlns="">
+              <a14:hiddenEffects xmlns="" xmlns:a14="http://schemas.microsoft.com/office/drawing/2010/main">
                 <a:effectLst>
                   <a:outerShdw dist="35921" dir="2700000" algn="ctr" rotWithShape="0">
                     <a:schemeClr val="bg2"/>
@@ -9615,14 +9615,14 @@
           <a:effectLst/>
           <a:extLst>
             <a:ext uri="{909E8E84-426E-40dd-AFC4-6F175D3DCCD1}">
-              <a14:hiddenFill xmlns:a14="http://schemas.microsoft.com/office/drawing/2010/main" xmlns="">
+              <a14:hiddenFill xmlns="" xmlns:a14="http://schemas.microsoft.com/office/drawing/2010/main">
                 <a:solidFill>
                   <a:schemeClr val="accent1"/>
                 </a:solidFill>
               </a14:hiddenFill>
             </a:ext>
             <a:ext uri="{91240B29-F687-4f45-9708-019B960494DF}">
-              <a14:hiddenLine xmlns:a14="http://schemas.microsoft.com/office/drawing/2010/main" xmlns="" w="9525">
+              <a14:hiddenLine xmlns="" xmlns:a14="http://schemas.microsoft.com/office/drawing/2010/main" w="9525">
                 <a:solidFill>
                   <a:schemeClr val="tx1"/>
                 </a:solidFill>
@@ -9632,7 +9632,7 @@
               </a14:hiddenLine>
             </a:ext>
             <a:ext uri="{AF507438-7753-43e0-B8FC-AC1667EBCBE1}">
-              <a14:hiddenEffects xmlns:a14="http://schemas.microsoft.com/office/drawing/2010/main" xmlns="">
+              <a14:hiddenEffects xmlns="" xmlns:a14="http://schemas.microsoft.com/office/drawing/2010/main">
                 <a:effectLst>
                   <a:outerShdw dist="35921" dir="2700000" algn="ctr" rotWithShape="0">
                     <a:schemeClr val="bg2"/>
@@ -10180,14 +10180,14 @@
           <a:effectLst/>
           <a:extLst>
             <a:ext uri="{909E8E84-426E-40dd-AFC4-6F175D3DCCD1}">
-              <a14:hiddenFill xmlns:a14="http://schemas.microsoft.com/office/drawing/2010/main" xmlns="">
+              <a14:hiddenFill xmlns="" xmlns:a14="http://schemas.microsoft.com/office/drawing/2010/main">
                 <a:solidFill>
                   <a:schemeClr val="accent1"/>
                 </a:solidFill>
               </a14:hiddenFill>
             </a:ext>
             <a:ext uri="{91240B29-F687-4f45-9708-019B960494DF}">
-              <a14:hiddenLine xmlns:a14="http://schemas.microsoft.com/office/drawing/2010/main" xmlns="" w="9525">
+              <a14:hiddenLine xmlns="" xmlns:a14="http://schemas.microsoft.com/office/drawing/2010/main" w="9525">
                 <a:solidFill>
                   <a:schemeClr val="tx1"/>
                 </a:solidFill>
@@ -10197,7 +10197,7 @@
               </a14:hiddenLine>
             </a:ext>
             <a:ext uri="{AF507438-7753-43e0-B8FC-AC1667EBCBE1}">
-              <a14:hiddenEffects xmlns:a14="http://schemas.microsoft.com/office/drawing/2010/main" xmlns="">
+              <a14:hiddenEffects xmlns="" xmlns:a14="http://schemas.microsoft.com/office/drawing/2010/main">
                 <a:effectLst>
                   <a:outerShdw dist="35921" dir="2700000" algn="ctr" rotWithShape="0">
                     <a:schemeClr val="bg2"/>
@@ -10503,14 +10503,14 @@
           <a:effectLst/>
           <a:extLst>
             <a:ext uri="{909E8E84-426E-40dd-AFC4-6F175D3DCCD1}">
-              <a14:hiddenFill xmlns:a14="http://schemas.microsoft.com/office/drawing/2010/main" xmlns="">
+              <a14:hiddenFill xmlns="" xmlns:a14="http://schemas.microsoft.com/office/drawing/2010/main">
                 <a:solidFill>
                   <a:schemeClr val="accent1"/>
                 </a:solidFill>
               </a14:hiddenFill>
             </a:ext>
             <a:ext uri="{91240B29-F687-4f45-9708-019B960494DF}">
-              <a14:hiddenLine xmlns:a14="http://schemas.microsoft.com/office/drawing/2010/main" xmlns="" w="9525">
+              <a14:hiddenLine xmlns="" xmlns:a14="http://schemas.microsoft.com/office/drawing/2010/main" w="9525">
                 <a:solidFill>
                   <a:schemeClr val="tx1"/>
                 </a:solidFill>
@@ -10520,7 +10520,7 @@
               </a14:hiddenLine>
             </a:ext>
             <a:ext uri="{AF507438-7753-43e0-B8FC-AC1667EBCBE1}">
-              <a14:hiddenEffects xmlns:a14="http://schemas.microsoft.com/office/drawing/2010/main" xmlns="">
+              <a14:hiddenEffects xmlns="" xmlns:a14="http://schemas.microsoft.com/office/drawing/2010/main">
                 <a:effectLst>
                   <a:outerShdw dist="35921" dir="2700000" algn="ctr" rotWithShape="0">
                     <a:schemeClr val="bg2"/>
@@ -10923,14 +10923,14 @@
           <a:effectLst/>
           <a:extLst>
             <a:ext uri="{909E8E84-426E-40dd-AFC4-6F175D3DCCD1}">
-              <a14:hiddenFill xmlns:a14="http://schemas.microsoft.com/office/drawing/2010/main" xmlns="">
+              <a14:hiddenFill xmlns="" xmlns:a14="http://schemas.microsoft.com/office/drawing/2010/main">
                 <a:solidFill>
                   <a:schemeClr val="accent1"/>
                 </a:solidFill>
               </a14:hiddenFill>
             </a:ext>
             <a:ext uri="{91240B29-F687-4f45-9708-019B960494DF}">
-              <a14:hiddenLine xmlns:a14="http://schemas.microsoft.com/office/drawing/2010/main" xmlns="" w="9525">
+              <a14:hiddenLine xmlns="" xmlns:a14="http://schemas.microsoft.com/office/drawing/2010/main" w="9525">
                 <a:solidFill>
                   <a:schemeClr val="tx1"/>
                 </a:solidFill>
@@ -10940,7 +10940,7 @@
               </a14:hiddenLine>
             </a:ext>
             <a:ext uri="{AF507438-7753-43e0-B8FC-AC1667EBCBE1}">
-              <a14:hiddenEffects xmlns:a14="http://schemas.microsoft.com/office/drawing/2010/main" xmlns="">
+              <a14:hiddenEffects xmlns="" xmlns:a14="http://schemas.microsoft.com/office/drawing/2010/main">
                 <a:effectLst>
                   <a:outerShdw dist="35921" dir="2700000" algn="ctr" rotWithShape="0">
                     <a:schemeClr val="bg2"/>
@@ -14367,28 +14367,72 @@
           <a:bodyPr/>
           <a:lstStyle/>
           <a:p>
+            <a:pPr>
+              <a:lnSpc>
+                <a:spcPct val="150000"/>
+              </a:lnSpc>
+            </a:pPr>
             <a:r>
               <a:rPr lang="pt-BR" dirty="0"/>
               <a:t>Descrever o que é CSS</a:t>
             </a:r>
           </a:p>
           <a:p>
+            <a:pPr>
+              <a:lnSpc>
+                <a:spcPct val="150000"/>
+              </a:lnSpc>
+            </a:pPr>
             <a:r>
               <a:rPr lang="pt-BR" dirty="0"/>
               <a:t>Utilizar seletores de elementos </a:t>
             </a:r>
           </a:p>
           <a:p>
+            <a:pPr>
+              <a:lnSpc>
+                <a:spcPct val="150000"/>
+              </a:lnSpc>
+            </a:pPr>
             <a:r>
               <a:rPr lang="pt-BR" dirty="0"/>
               <a:t>Criar um arquivo descrevendo a aparência dos elementos de uma página Web</a:t>
             </a:r>
           </a:p>
           <a:p>
-            <a:r>
-              <a:rPr lang="pt-BR" dirty="0"/>
-              <a:t>Selecionar elementos CSS</a:t>
-            </a:r>
+            <a:pPr>
+              <a:lnSpc>
+                <a:spcPct val="150000"/>
+              </a:lnSpc>
+            </a:pPr>
+            <a:r>
+              <a:rPr lang="pt-BR" dirty="0"/>
+              <a:t>Criar um </a:t>
+            </a:r>
+            <a:r>
+              <a:rPr lang="pt-BR" dirty="0" err="1"/>
+              <a:t>template</a:t>
+            </a:r>
+            <a:r>
+              <a:rPr lang="pt-BR" dirty="0"/>
+              <a:t> usando CSS</a:t>
+            </a:r>
+          </a:p>
+          <a:p>
+            <a:pPr>
+              <a:lnSpc>
+                <a:spcPct val="150000"/>
+              </a:lnSpc>
+            </a:pPr>
+            <a:r>
+              <a:rPr lang="pt-BR" dirty="0"/>
+              <a:t>Utilizar o </a:t>
+            </a:r>
+            <a:r>
+              <a:rPr lang="pt-BR" dirty="0" err="1"/>
+              <a:t>Bootstrap</a:t>
+            </a:r>
+            <a:endParaRPr lang="pt-BR" dirty="0"/>
           </a:p>
         </p:txBody>
       </p:sp>
@@ -21366,7 +21410,7 @@
             </a:r>
           </a:p>
           <a:p>
-            <a:pPr lvl="1"/>
+            <a:pPr lvl="1" algn="just"/>
             <a:r>
               <a:rPr lang="pt-BR" dirty="0"/>
               <a:t>Padrão (</a:t>
@@ -21387,7 +21431,7 @@
             </a:r>
           </a:p>
           <a:p>
-            <a:pPr lvl="1"/>
+            <a:pPr lvl="1" algn="just"/>
             <a:r>
               <a:rPr lang="pt-BR" dirty="0"/>
               <a:t>Responsivo (</a:t>
@@ -21408,7 +21452,7 @@
             </a:r>
           </a:p>
           <a:p>
-            <a:pPr lvl="1"/>
+            <a:pPr lvl="1" algn="just"/>
             <a:r>
               <a:rPr lang="pt-BR" dirty="0" err="1"/>
               <a:t>Fluid</a:t>
@@ -25558,6 +25602,15 @@
 </file>
 
 <file path=customXml/item1.xml><?xml version="1.0" encoding="utf-8"?>
+<?mso-contentType ?>
+<FormTemplates xmlns="http://schemas.microsoft.com/sharepoint/v3/contenttype/forms">
+  <Display>DocumentLibraryForm</Display>
+  <Edit>DocumentLibraryForm</Edit>
+  <New>DocumentLibraryForm</New>
+</FormTemplates>
+</file>
+
+<file path=customXml/item2.xml><?xml version="1.0" encoding="utf-8"?>
 <ct:contentTypeSchema xmlns:ct="http://schemas.microsoft.com/office/2006/metadata/contentType" xmlns:ma="http://schemas.microsoft.com/office/2006/metadata/properties/metaAttributes" ct:_="" ma:_="" ma:contentTypeName="Document" ma:contentTypeID="0x0101007C1D5F340F01F94FA2FD29A5E6DC872E" ma:contentTypeVersion="0" ma:contentTypeDescription="Create a new document." ma:contentTypeScope="" ma:versionID="f583bd66513a361a730282b6a794e352">
   <xsd:schema xmlns:xsd="http://www.w3.org/2001/XMLSchema" xmlns:xs="http://www.w3.org/2001/XMLSchema" xmlns:p="http://schemas.microsoft.com/office/2006/metadata/properties" targetNamespace="http://schemas.microsoft.com/office/2006/metadata/properties" ma:root="true" ma:fieldsID="6841151cf538834e171094e4faaf2d73">
     <xsd:element name="properties">
@@ -25671,15 +25724,6 @@
 </ct:contentTypeSchema>
 </file>
 
-<file path=customXml/item2.xml><?xml version="1.0" encoding="utf-8"?>
-<?mso-contentType ?>
-<FormTemplates xmlns="http://schemas.microsoft.com/sharepoint/v3/contenttype/forms">
-  <Display>DocumentLibraryForm</Display>
-  <Edit>DocumentLibraryForm</Edit>
-  <New>DocumentLibraryForm</New>
-</FormTemplates>
-</file>
-
 <file path=customXml/item3.xml><?xml version="1.0" encoding="utf-8"?>
 <p:properties xmlns:p="http://schemas.microsoft.com/office/2006/metadata/properties" xmlns:xsi="http://www.w3.org/2001/XMLSchema-instance" xmlns:pc="http://schemas.microsoft.com/office/infopath/2007/PartnerControls">
   <documentManagement/>
@@ -25687,6 +25731,14 @@
 </file>
 
 <file path=customXml/itemProps1.xml><?xml version="1.0" encoding="utf-8"?>
+<ds:datastoreItem xmlns:ds="http://schemas.openxmlformats.org/officeDocument/2006/customXml" ds:itemID="{28EF69EF-478E-4A34-9077-AD5B790C8484}">
+  <ds:schemaRefs>
+    <ds:schemaRef ds:uri="http://schemas.microsoft.com/sharepoint/v3/contenttype/forms"/>
+  </ds:schemaRefs>
+</ds:datastoreItem>
+</file>
+
+<file path=customXml/itemProps2.xml><?xml version="1.0" encoding="utf-8"?>
 <ds:datastoreItem xmlns:ds="http://schemas.openxmlformats.org/officeDocument/2006/customXml" ds:itemID="{5B490D93-7B1B-411A-837B-D91624B8B733}">
   <ds:schemaRefs>
     <ds:schemaRef ds:uri="http://schemas.microsoft.com/office/2006/metadata/contentType"/>
@@ -25698,14 +25750,6 @@
     <ds:schemaRef ds:uri="http://purl.org/dc/terms/"/>
     <ds:schemaRef ds:uri="http://schemas.microsoft.com/internal/obd"/>
     <ds:schemaRef ds:uri="http://schemas.microsoft.com/office/infopath/2007/PartnerControls"/>
-  </ds:schemaRefs>
-</ds:datastoreItem>
-</file>
-
-<file path=customXml/itemProps2.xml><?xml version="1.0" encoding="utf-8"?>
-<ds:datastoreItem xmlns:ds="http://schemas.openxmlformats.org/officeDocument/2006/customXml" ds:itemID="{28EF69EF-478E-4A34-9077-AD5B790C8484}">
-  <ds:schemaRefs>
-    <ds:schemaRef ds:uri="http://schemas.microsoft.com/sharepoint/v3/contenttype/forms"/>
   </ds:schemaRefs>
 </ds:datastoreItem>
 </file>
